--- a/ProjectDiagram.pptx
+++ b/ProjectDiagram.pptx
@@ -5032,52 +5032,6 @@
       </p:sp>
       <p:cxnSp>
         <p:nvCxnSpPr>
-          <p:cNvPr id="453" name="直線矢印コネクタ 452">
-            <a:extLst>
-              <a:ext uri="{FF2B5EF4-FFF2-40B4-BE49-F238E27FC236}">
-                <a16:creationId xmlns:a16="http://schemas.microsoft.com/office/drawing/2014/main" id="{2ADEF10C-4EB5-64AD-F087-B74451125ED1}"/>
-              </a:ext>
-            </a:extLst>
-          </p:cNvPr>
-          <p:cNvCxnSpPr>
-            <a:cxnSpLocks/>
-            <a:stCxn id="69" idx="3"/>
-            <a:endCxn id="71" idx="1"/>
-          </p:cNvCxnSpPr>
-          <p:nvPr/>
-        </p:nvCxnSpPr>
-        <p:spPr>
-          <a:xfrm>
-            <a:off x="3701359" y="4236536"/>
-            <a:ext cx="1907206" cy="0"/>
-          </a:xfrm>
-          <a:prstGeom prst="straightConnector1">
-            <a:avLst/>
-          </a:prstGeom>
-          <a:ln w="12700">
-            <a:solidFill>
-              <a:schemeClr val="accent2"/>
-            </a:solidFill>
-            <a:tailEnd type="triangle"/>
-          </a:ln>
-        </p:spPr>
-        <p:style>
-          <a:lnRef idx="1">
-            <a:schemeClr val="accent1"/>
-          </a:lnRef>
-          <a:fillRef idx="0">
-            <a:schemeClr val="accent1"/>
-          </a:fillRef>
-          <a:effectRef idx="0">
-            <a:schemeClr val="accent1"/>
-          </a:effectRef>
-          <a:fontRef idx="minor">
-            <a:schemeClr val="tx1"/>
-          </a:fontRef>
-        </p:style>
-      </p:cxnSp>
-      <p:cxnSp>
-        <p:nvCxnSpPr>
           <p:cNvPr id="450" name="直線矢印コネクタ 449">
             <a:extLst>
               <a:ext uri="{FF2B5EF4-FFF2-40B4-BE49-F238E27FC236}">
@@ -8092,12 +8046,14 @@
           </p:cNvPr>
           <p:cNvCxnSpPr>
             <a:cxnSpLocks/>
+            <a:stCxn id="69" idx="3"/>
+            <a:endCxn id="70" idx="1"/>
           </p:cNvCxnSpPr>
           <p:nvPr/>
         </p:nvCxnSpPr>
         <p:spPr>
           <a:xfrm>
-            <a:off x="3701359" y="4106996"/>
+            <a:off x="3701359" y="4236536"/>
             <a:ext cx="251603" cy="0"/>
           </a:xfrm>
           <a:prstGeom prst="straightConnector1">
@@ -8137,12 +8093,14 @@
           </p:cNvPr>
           <p:cNvCxnSpPr>
             <a:cxnSpLocks/>
+            <a:stCxn id="70" idx="3"/>
+            <a:endCxn id="71" idx="1"/>
           </p:cNvCxnSpPr>
           <p:nvPr/>
         </p:nvCxnSpPr>
         <p:spPr>
           <a:xfrm>
-            <a:off x="5356962" y="4099376"/>
+            <a:off x="5356962" y="4236536"/>
             <a:ext cx="251603" cy="0"/>
           </a:xfrm>
           <a:prstGeom prst="straightConnector1">
